--- a/Xamarin 4 Party/01. Xamarin 4 Welcome.pptx
+++ b/Xamarin 4 Party/01. Xamarin 4 Welcome.pptx
@@ -5,17 +5,19 @@
     <p:sldMasterId id="2147483660" r:id="rId1"/>
   </p:sldMasterIdLst>
   <p:notesMasterIdLst>
-    <p:notesMasterId r:id="rId10"/>
+    <p:notesMasterId r:id="rId12"/>
   </p:notesMasterIdLst>
   <p:sldIdLst>
     <p:sldId id="380" r:id="rId2"/>
     <p:sldId id="381" r:id="rId3"/>
     <p:sldId id="256" r:id="rId4"/>
-    <p:sldId id="407" r:id="rId5"/>
-    <p:sldId id="408" r:id="rId6"/>
-    <p:sldId id="409" r:id="rId7"/>
-    <p:sldId id="410" r:id="rId8"/>
-    <p:sldId id="364" r:id="rId9"/>
+    <p:sldId id="411" r:id="rId5"/>
+    <p:sldId id="407" r:id="rId6"/>
+    <p:sldId id="412" r:id="rId7"/>
+    <p:sldId id="408" r:id="rId8"/>
+    <p:sldId id="409" r:id="rId9"/>
+    <p:sldId id="410" r:id="rId10"/>
+    <p:sldId id="364" r:id="rId11"/>
   </p:sldIdLst>
   <p:sldSz cx="12192000" cy="6858000"/>
   <p:notesSz cx="6858000" cy="9144000"/>
@@ -215,7 +217,7 @@
           <a:p>
             <a:fld id="{A334C884-B1D7-A043-A4AA-521744755A4B}" type="datetimeFigureOut">
               <a:rPr lang="en-US" smtClean="0"/>
-              <a:t>1/20/2016</a:t>
+              <a:t>1/24/2016</a:t>
             </a:fld>
             <a:endParaRPr lang="en-US"/>
           </a:p>
@@ -806,7 +808,7 @@
                 </a:solidFill>
               </a:rPr>
               <a:pPr/>
-              <a:t>1/20/2016 7:42 PM</a:t>
+              <a:t>1/24/2016 5:43 PM</a:t>
             </a:fld>
             <a:endParaRPr lang="en-US" dirty="0">
               <a:solidFill>
@@ -980,7 +982,7 @@
           <a:p>
             <a:fld id="{E74353ED-ACB2-44BF-A903-985B0AF962B7}" type="datetime1">
               <a:rPr lang="en-US" smtClean="0"/>
-              <a:t>1/20/2016</a:t>
+              <a:t>1/24/2016</a:t>
             </a:fld>
             <a:endParaRPr lang="en-US" dirty="0"/>
           </a:p>
@@ -1004,7 +1006,7 @@
             <a:fld id="{B4008EB6-D09E-4580-8CD6-DDB14511944F}" type="slidenum">
               <a:rPr lang="en-US" smtClean="0"/>
               <a:pPr/>
-              <a:t>7</a:t>
+              <a:t>9</a:t>
             </a:fld>
             <a:endParaRPr lang="en-US" dirty="0"/>
           </a:p>
@@ -1142,7 +1144,7 @@
           <a:p>
             <a:fld id="{E74353ED-ACB2-44BF-A903-985B0AF962B7}" type="datetime1">
               <a:rPr lang="en-US" smtClean="0"/>
-              <a:t>1/20/2016</a:t>
+              <a:t>1/24/2016</a:t>
             </a:fld>
             <a:endParaRPr lang="en-US" dirty="0"/>
           </a:p>
@@ -1166,7 +1168,7 @@
             <a:fld id="{B4008EB6-D09E-4580-8CD6-DDB14511944F}" type="slidenum">
               <a:rPr lang="en-US" smtClean="0"/>
               <a:pPr/>
-              <a:t>8</a:t>
+              <a:t>10</a:t>
             </a:fld>
             <a:endParaRPr lang="en-US" dirty="0"/>
           </a:p>
@@ -3908,6 +3910,415 @@
   <p:transition>
     <p:fade/>
   </p:transition>
+</p:sld>
+</file>
+
+<file path=ppt/slides/slide10.xml><?xml version="1.0" encoding="utf-8"?>
+<p:sld xmlns:a="http://schemas.openxmlformats.org/drawingml/2006/main" xmlns:r="http://schemas.openxmlformats.org/officeDocument/2006/relationships" xmlns:p="http://schemas.openxmlformats.org/presentationml/2006/main">
+  <p:cSld>
+    <p:spTree>
+      <p:nvGrpSpPr>
+        <p:cNvPr id="1" name=""/>
+        <p:cNvGrpSpPr/>
+        <p:nvPr/>
+      </p:nvGrpSpPr>
+      <p:grpSpPr>
+        <a:xfrm>
+          <a:off x="0" y="0"/>
+          <a:ext cx="0" cy="0"/>
+          <a:chOff x="0" y="0"/>
+          <a:chExt cx="0" cy="0"/>
+        </a:xfrm>
+      </p:grpSpPr>
+      <p:sp>
+        <p:nvSpPr>
+          <p:cNvPr id="27" name="Text Placeholder 25"/>
+          <p:cNvSpPr txBox="1">
+            <a:spLocks/>
+          </p:cNvSpPr>
+          <p:nvPr/>
+        </p:nvSpPr>
+        <p:spPr bwMode="invGray">
+          <a:xfrm>
+            <a:off x="1799181" y="3014689"/>
+            <a:ext cx="8473532" cy="821723"/>
+          </a:xfrm>
+          <a:prstGeom prst="rect">
+            <a:avLst/>
+          </a:prstGeom>
+        </p:spPr>
+        <p:txBody>
+          <a:bodyPr vert="horz" wrap="square" lIns="179285" tIns="143428" rIns="179285" bIns="143428" rtlCol="0" anchor="t">
+            <a:noAutofit/>
+          </a:bodyPr>
+          <a:lstStyle>
+            <a:lvl1pPr marL="0" indent="0" algn="l" defTabSz="914166" rtl="0" eaLnBrk="1" latinLnBrk="0" hangingPunct="1">
+              <a:spcBef>
+                <a:spcPct val="20000"/>
+              </a:spcBef>
+              <a:buFont typeface="Arial" pitchFamily="34" charset="0"/>
+              <a:buNone/>
+              <a:defRPr sz="6700" kern="1200" spc="-153">
+                <a:gradFill>
+                  <a:gsLst>
+                    <a:gs pos="0">
+                      <a:schemeClr val="tx1"/>
+                    </a:gs>
+                    <a:gs pos="100000">
+                      <a:schemeClr val="tx1"/>
+                    </a:gs>
+                  </a:gsLst>
+                  <a:lin ang="5400000" scaled="0"/>
+                </a:gradFill>
+                <a:latin typeface="+mj-lt"/>
+                <a:ea typeface="+mn-ea"/>
+                <a:cs typeface="+mn-cs"/>
+              </a:defRPr>
+            </a:lvl1pPr>
+            <a:lvl2pPr marL="0" indent="0" algn="l" defTabSz="914166" rtl="0" eaLnBrk="1" latinLnBrk="0" hangingPunct="1">
+              <a:spcBef>
+                <a:spcPct val="20000"/>
+              </a:spcBef>
+              <a:buFont typeface="Arial" pitchFamily="34" charset="0"/>
+              <a:buNone/>
+              <a:defRPr sz="2800" kern="1200">
+                <a:gradFill>
+                  <a:gsLst>
+                    <a:gs pos="0">
+                      <a:schemeClr val="tx1"/>
+                    </a:gs>
+                    <a:gs pos="100000">
+                      <a:schemeClr val="tx1"/>
+                    </a:gs>
+                  </a:gsLst>
+                  <a:lin ang="5400000" scaled="0"/>
+                </a:gradFill>
+                <a:latin typeface="+mn-lt"/>
+                <a:ea typeface="+mn-ea"/>
+                <a:cs typeface="+mn-cs"/>
+              </a:defRPr>
+            </a:lvl2pPr>
+            <a:lvl3pPr marL="457082" indent="-228541" algn="l" defTabSz="914166" rtl="0" eaLnBrk="1" latinLnBrk="0" hangingPunct="1">
+              <a:spcBef>
+                <a:spcPct val="20000"/>
+              </a:spcBef>
+              <a:buFont typeface="Arial" pitchFamily="34" charset="0"/>
+              <a:buChar char="•"/>
+              <a:defRPr sz="2400" kern="1200">
+                <a:gradFill>
+                  <a:gsLst>
+                    <a:gs pos="0">
+                      <a:schemeClr val="tx1"/>
+                    </a:gs>
+                    <a:gs pos="100000">
+                      <a:schemeClr val="tx1"/>
+                    </a:gs>
+                  </a:gsLst>
+                  <a:lin ang="5400000" scaled="0"/>
+                </a:gradFill>
+                <a:latin typeface="+mn-lt"/>
+                <a:ea typeface="+mn-ea"/>
+                <a:cs typeface="+mn-cs"/>
+              </a:defRPr>
+            </a:lvl3pPr>
+            <a:lvl4pPr marL="739586" indent="-282503" algn="l" defTabSz="914166" rtl="0" eaLnBrk="1" latinLnBrk="0" hangingPunct="1">
+              <a:spcBef>
+                <a:spcPct val="20000"/>
+              </a:spcBef>
+              <a:buFont typeface="Arial" pitchFamily="34" charset="0"/>
+              <a:buChar char="–"/>
+              <a:defRPr sz="2000" kern="1200">
+                <a:gradFill>
+                  <a:gsLst>
+                    <a:gs pos="0">
+                      <a:schemeClr val="tx1"/>
+                    </a:gs>
+                    <a:gs pos="100000">
+                      <a:schemeClr val="tx1"/>
+                    </a:gs>
+                  </a:gsLst>
+                  <a:lin ang="5400000" scaled="0"/>
+                </a:gradFill>
+                <a:latin typeface="+mn-lt"/>
+                <a:ea typeface="+mn-ea"/>
+                <a:cs typeface="+mn-cs"/>
+              </a:defRPr>
+            </a:lvl4pPr>
+            <a:lvl5pPr marL="1033199" indent="-293612" algn="l" defTabSz="914166" rtl="0" eaLnBrk="1" latinLnBrk="0" hangingPunct="1">
+              <a:spcBef>
+                <a:spcPct val="20000"/>
+              </a:spcBef>
+              <a:buFont typeface="Arial" pitchFamily="34" charset="0"/>
+              <a:buChar char="»"/>
+              <a:defRPr sz="1800" kern="1200">
+                <a:gradFill>
+                  <a:gsLst>
+                    <a:gs pos="0">
+                      <a:schemeClr val="tx1"/>
+                    </a:gs>
+                    <a:gs pos="100000">
+                      <a:schemeClr val="tx1"/>
+                    </a:gs>
+                  </a:gsLst>
+                  <a:lin ang="5400000" scaled="0"/>
+                </a:gradFill>
+                <a:latin typeface="+mn-lt"/>
+                <a:ea typeface="+mn-ea"/>
+                <a:cs typeface="+mn-cs"/>
+              </a:defRPr>
+            </a:lvl5pPr>
+            <a:lvl6pPr marL="2513956" indent="-228541" algn="l" defTabSz="914166" rtl="0" eaLnBrk="1" latinLnBrk="0" hangingPunct="1">
+              <a:spcBef>
+                <a:spcPct val="20000"/>
+              </a:spcBef>
+              <a:buFont typeface="Arial" pitchFamily="34" charset="0"/>
+              <a:buChar char="•"/>
+              <a:defRPr sz="2000" kern="1200">
+                <a:solidFill>
+                  <a:schemeClr val="tx1"/>
+                </a:solidFill>
+                <a:latin typeface="+mn-lt"/>
+                <a:ea typeface="+mn-ea"/>
+                <a:cs typeface="+mn-cs"/>
+              </a:defRPr>
+            </a:lvl6pPr>
+            <a:lvl7pPr marL="2971038" indent="-228541" algn="l" defTabSz="914166" rtl="0" eaLnBrk="1" latinLnBrk="0" hangingPunct="1">
+              <a:spcBef>
+                <a:spcPct val="20000"/>
+              </a:spcBef>
+              <a:buFont typeface="Arial" pitchFamily="34" charset="0"/>
+              <a:buChar char="•"/>
+              <a:defRPr sz="2000" kern="1200">
+                <a:solidFill>
+                  <a:schemeClr val="tx1"/>
+                </a:solidFill>
+                <a:latin typeface="+mn-lt"/>
+                <a:ea typeface="+mn-ea"/>
+                <a:cs typeface="+mn-cs"/>
+              </a:defRPr>
+            </a:lvl7pPr>
+            <a:lvl8pPr marL="3428122" indent="-228541" algn="l" defTabSz="914166" rtl="0" eaLnBrk="1" latinLnBrk="0" hangingPunct="1">
+              <a:spcBef>
+                <a:spcPct val="20000"/>
+              </a:spcBef>
+              <a:buFont typeface="Arial" pitchFamily="34" charset="0"/>
+              <a:buChar char="•"/>
+              <a:defRPr sz="2000" kern="1200">
+                <a:solidFill>
+                  <a:schemeClr val="tx1"/>
+                </a:solidFill>
+                <a:latin typeface="+mn-lt"/>
+                <a:ea typeface="+mn-ea"/>
+                <a:cs typeface="+mn-cs"/>
+              </a:defRPr>
+            </a:lvl8pPr>
+            <a:lvl9pPr marL="3885204" indent="-228541" algn="l" defTabSz="914166" rtl="0" eaLnBrk="1" latinLnBrk="0" hangingPunct="1">
+              <a:spcBef>
+                <a:spcPct val="20000"/>
+              </a:spcBef>
+              <a:buFont typeface="Arial" pitchFamily="34" charset="0"/>
+              <a:buChar char="•"/>
+              <a:defRPr sz="2000" kern="1200">
+                <a:solidFill>
+                  <a:schemeClr val="tx1"/>
+                </a:solidFill>
+                <a:latin typeface="+mn-lt"/>
+                <a:ea typeface="+mn-ea"/>
+                <a:cs typeface="+mn-cs"/>
+              </a:defRPr>
+            </a:lvl9pPr>
+          </a:lstStyle>
+          <a:p>
+            <a:pPr defTabSz="914367">
+              <a:lnSpc>
+                <a:spcPct val="60000"/>
+              </a:lnSpc>
+              <a:buClr>
+                <a:srgbClr val="FFFFFF"/>
+              </a:buClr>
+              <a:buSzPct val="90000"/>
+            </a:pPr>
+            <a:r>
+              <a:rPr lang="en-US" sz="7646" spc="0" dirty="0" smtClean="0">
+                <a:solidFill>
+                  <a:schemeClr val="tx1"/>
+                </a:solidFill>
+              </a:rPr>
+              <a:t>Gracias! </a:t>
+            </a:r>
+            <a:r>
+              <a:rPr lang="en-US" sz="7646" spc="0" dirty="0" err="1" smtClean="0">
+                <a:solidFill>
+                  <a:schemeClr val="tx1"/>
+                </a:solidFill>
+              </a:rPr>
+              <a:t>Preguntas</a:t>
+            </a:r>
+            <a:r>
+              <a:rPr lang="en-US" sz="7646" spc="0" dirty="0" smtClean="0">
+                <a:solidFill>
+                  <a:schemeClr val="tx1"/>
+                </a:solidFill>
+              </a:rPr>
+              <a:t>?</a:t>
+            </a:r>
+            <a:endParaRPr lang="en-US" sz="7646" spc="0" dirty="0">
+              <a:solidFill>
+                <a:schemeClr val="tx1"/>
+              </a:solidFill>
+              <a:latin typeface="+mn-lt"/>
+            </a:endParaRPr>
+          </a:p>
+        </p:txBody>
+      </p:sp>
+      <p:sp>
+        <p:nvSpPr>
+          <p:cNvPr id="8" name="TextBox 7"/>
+          <p:cNvSpPr txBox="1"/>
+          <p:nvPr/>
+        </p:nvSpPr>
+        <p:spPr>
+          <a:xfrm>
+            <a:off x="4145965" y="-846623"/>
+            <a:ext cx="362072" cy="621556"/>
+          </a:xfrm>
+          <a:prstGeom prst="rect">
+            <a:avLst/>
+          </a:prstGeom>
+          <a:noFill/>
+        </p:spPr>
+        <p:txBody>
+          <a:bodyPr wrap="none" lIns="179285" tIns="143428" rIns="179285" bIns="143428" rtlCol="0">
+            <a:spAutoFit/>
+          </a:bodyPr>
+          <a:lstStyle/>
+          <a:p>
+            <a:pPr>
+              <a:lnSpc>
+                <a:spcPct val="90000"/>
+              </a:lnSpc>
+              <a:spcAft>
+                <a:spcPts val="588"/>
+              </a:spcAft>
+            </a:pPr>
+            <a:endParaRPr lang="en-US" sz="2353" dirty="0" err="1">
+              <a:gradFill>
+                <a:gsLst>
+                  <a:gs pos="2917">
+                    <a:schemeClr val="tx1"/>
+                  </a:gs>
+                  <a:gs pos="30000">
+                    <a:schemeClr val="tx1"/>
+                  </a:gs>
+                </a:gsLst>
+                <a:lin ang="5400000" scaled="0"/>
+              </a:gradFill>
+            </a:endParaRPr>
+          </a:p>
+        </p:txBody>
+      </p:sp>
+    </p:spTree>
+    <p:extLst>
+      <p:ext uri="{BB962C8B-B14F-4D97-AF65-F5344CB8AC3E}">
+        <p14:creationId xmlns:p14="http://schemas.microsoft.com/office/powerpoint/2010/main" val="209359415"/>
+      </p:ext>
+    </p:extLst>
+  </p:cSld>
+  <p:clrMapOvr>
+    <a:masterClrMapping/>
+  </p:clrMapOvr>
+  <p:transition>
+    <p:fade/>
+  </p:transition>
+  <p:timing>
+    <p:tnLst>
+      <p:par>
+        <p:cTn id="1" dur="indefinite" restart="never" nodeType="tmRoot">
+          <p:childTnLst>
+            <p:seq concurrent="1" nextAc="seek">
+              <p:cTn id="2" dur="indefinite" nodeType="mainSeq">
+                <p:childTnLst>
+                  <p:par>
+                    <p:cTn id="3" fill="hold">
+                      <p:stCondLst>
+                        <p:cond delay="indefinite"/>
+                        <p:cond evt="onBegin" delay="0">
+                          <p:tn val="2"/>
+                        </p:cond>
+                      </p:stCondLst>
+                      <p:childTnLst>
+                        <p:par>
+                          <p:cTn id="4" fill="hold">
+                            <p:stCondLst>
+                              <p:cond delay="0"/>
+                            </p:stCondLst>
+                            <p:childTnLst>
+                              <p:par>
+                                <p:cTn id="5" presetID="10" presetClass="entr" presetSubtype="0" fill="hold" grpId="0" nodeType="afterEffect">
+                                  <p:stCondLst>
+                                    <p:cond delay="0"/>
+                                  </p:stCondLst>
+                                  <p:childTnLst>
+                                    <p:set>
+                                      <p:cBhvr>
+                                        <p:cTn id="6" dur="1" fill="hold">
+                                          <p:stCondLst>
+                                            <p:cond delay="0"/>
+                                          </p:stCondLst>
+                                        </p:cTn>
+                                        <p:tgtEl>
+                                          <p:spTgt spid="27"/>
+                                        </p:tgtEl>
+                                        <p:attrNameLst>
+                                          <p:attrName>style.visibility</p:attrName>
+                                        </p:attrNameLst>
+                                      </p:cBhvr>
+                                      <p:to>
+                                        <p:strVal val="visible"/>
+                                      </p:to>
+                                    </p:set>
+                                    <p:animEffect transition="in" filter="fade">
+                                      <p:cBhvr>
+                                        <p:cTn id="7" dur="500"/>
+                                        <p:tgtEl>
+                                          <p:spTgt spid="27"/>
+                                        </p:tgtEl>
+                                      </p:cBhvr>
+                                    </p:animEffect>
+                                  </p:childTnLst>
+                                </p:cTn>
+                              </p:par>
+                            </p:childTnLst>
+                          </p:cTn>
+                        </p:par>
+                      </p:childTnLst>
+                    </p:cTn>
+                  </p:par>
+                </p:childTnLst>
+              </p:cTn>
+              <p:prevCondLst>
+                <p:cond evt="onPrev" delay="0">
+                  <p:tgtEl>
+                    <p:sldTgt/>
+                  </p:tgtEl>
+                </p:cond>
+              </p:prevCondLst>
+              <p:nextCondLst>
+                <p:cond evt="onNext" delay="0">
+                  <p:tgtEl>
+                    <p:sldTgt/>
+                  </p:tgtEl>
+                </p:cond>
+              </p:nextCondLst>
+            </p:seq>
+          </p:childTnLst>
+        </p:cTn>
+      </p:par>
+    </p:tnLst>
+    <p:bldLst>
+      <p:bldP spid="27" grpId="0"/>
+    </p:bldLst>
+  </p:timing>
 </p:sld>
 </file>
 
@@ -5204,7 +5615,7 @@
         <p:spPr>
           <a:xfrm>
             <a:off x="269239" y="1189177"/>
-            <a:ext cx="11653523" cy="4124206"/>
+            <a:ext cx="11653523" cy="3533275"/>
           </a:xfrm>
         </p:spPr>
         <p:txBody>
@@ -5217,14 +5628,9 @@
               </a:lnSpc>
             </a:pPr>
             <a:r>
-              <a:rPr lang="pt-BR" sz="3200" dirty="0"/>
-              <a:t>17:00h - 17:05h: Bienvenida</a:t>
-            </a:r>
-            <a:r>
               <a:rPr lang="pt-BR" sz="3200" dirty="0" smtClean="0"/>
-              <a:t>!</a:t>
-            </a:r>
-            <a:endParaRPr lang="pt-BR" sz="3200" dirty="0"/>
+              <a:t>10 marzo: Evento Xamarin, notificaciones, animaciones y mucho más.</a:t>
+            </a:r>
           </a:p>
           <a:p>
             <a:pPr>
@@ -5234,17 +5640,8 @@
             </a:pPr>
             <a:r>
               <a:rPr lang="pt-BR" sz="3200" dirty="0" smtClean="0"/>
-              <a:t>17:05h </a:t>
-            </a:r>
-            <a:r>
-              <a:rPr lang="pt-BR" sz="3200" dirty="0"/>
-              <a:t>- 17:50h: Novedades en Xamarin </a:t>
-            </a:r>
-            <a:r>
-              <a:rPr lang="pt-BR" sz="3200" dirty="0" smtClean="0"/>
-              <a:t>4 por Javier Suárez</a:t>
-            </a:r>
-            <a:endParaRPr lang="pt-BR" sz="3200" dirty="0"/>
+              <a:t>06 de Abril: Quedada.</a:t>
+            </a:r>
           </a:p>
           <a:p>
             <a:pPr>
@@ -5254,17 +5651,8 @@
             </a:pPr>
             <a:r>
               <a:rPr lang="pt-BR" sz="3200" dirty="0" smtClean="0"/>
-              <a:t>17:55h </a:t>
-            </a:r>
-            <a:r>
-              <a:rPr lang="pt-BR" sz="3200" dirty="0"/>
-              <a:t>- 18:40h: Xamarin Forms </a:t>
-            </a:r>
-            <a:r>
-              <a:rPr lang="pt-BR" sz="3200" dirty="0" smtClean="0"/>
-              <a:t>2.0 por Josué Yeray</a:t>
-            </a:r>
-            <a:endParaRPr lang="pt-BR" sz="3200" dirty="0"/>
+              <a:t>04 de Mayo: Quedada.</a:t>
+            </a:r>
           </a:p>
           <a:p>
             <a:pPr>
@@ -5274,17 +5662,8 @@
             </a:pPr>
             <a:r>
               <a:rPr lang="pt-BR" sz="3200" dirty="0" smtClean="0"/>
-              <a:t>18:45h </a:t>
-            </a:r>
-            <a:r>
-              <a:rPr lang="pt-BR" sz="3200" dirty="0"/>
-              <a:t>- 19:20h:  Xamarin Test Recorder y Xamarin Test </a:t>
-            </a:r>
-            <a:r>
-              <a:rPr lang="pt-BR" sz="3200" dirty="0" smtClean="0"/>
-              <a:t>Cloud por Marcos Cobeña</a:t>
-            </a:r>
-            <a:endParaRPr lang="pt-BR" sz="3200" dirty="0"/>
+              <a:t>19 Mayo: Xamarin Revolve 2016.</a:t>
+            </a:r>
           </a:p>
           <a:p>
             <a:pPr>
@@ -5292,34 +5671,6 @@
                 <a:spcPct val="100000"/>
               </a:lnSpc>
             </a:pPr>
-            <a:r>
-              <a:rPr lang="pt-BR" sz="3200" dirty="0" smtClean="0"/>
-              <a:t>19:25h </a:t>
-            </a:r>
-            <a:r>
-              <a:rPr lang="pt-BR" sz="3200" dirty="0"/>
-              <a:t>- 19:35h: El Gorilla Preguntón (Sorteo de regalos</a:t>
-            </a:r>
-            <a:r>
-              <a:rPr lang="pt-BR" sz="3200" dirty="0" smtClean="0"/>
-              <a:t>)</a:t>
-            </a:r>
-            <a:endParaRPr lang="pt-BR" sz="3200" dirty="0"/>
-          </a:p>
-          <a:p>
-            <a:pPr>
-              <a:lnSpc>
-                <a:spcPct val="100000"/>
-              </a:lnSpc>
-            </a:pPr>
-            <a:r>
-              <a:rPr lang="pt-BR" sz="3200" dirty="0" smtClean="0"/>
-              <a:t>19:35h </a:t>
-            </a:r>
-            <a:r>
-              <a:rPr lang="pt-BR" sz="3200" dirty="0"/>
-              <a:t>- 20:00h Networking </a:t>
-            </a:r>
             <a:endParaRPr lang="en-US" sz="3200" dirty="0"/>
           </a:p>
         </p:txBody>
@@ -5345,7 +5696,529 @@
                   <a:srgbClr val="06AED0"/>
                 </a:solidFill>
               </a:rPr>
-              <a:t>Agenda</a:t>
+              <a:t>Un NO </a:t>
+            </a:r>
+            <a:r>
+              <a:rPr lang="en-US" dirty="0" err="1" smtClean="0">
+                <a:solidFill>
+                  <a:srgbClr val="06AED0"/>
+                </a:solidFill>
+              </a:rPr>
+              <a:t>parar</a:t>
+            </a:r>
+            <a:r>
+              <a:rPr lang="en-US" dirty="0" smtClean="0">
+                <a:solidFill>
+                  <a:srgbClr val="06AED0"/>
+                </a:solidFill>
+              </a:rPr>
+              <a:t>!</a:t>
+            </a:r>
+            <a:endParaRPr lang="en-US" dirty="0">
+              <a:solidFill>
+                <a:srgbClr val="06AED0"/>
+              </a:solidFill>
+            </a:endParaRPr>
+          </a:p>
+        </p:txBody>
+      </p:sp>
+    </p:spTree>
+    <p:extLst>
+      <p:ext uri="{BB962C8B-B14F-4D97-AF65-F5344CB8AC3E}">
+        <p14:creationId xmlns:p14="http://schemas.microsoft.com/office/powerpoint/2010/main" val="3740761557"/>
+      </p:ext>
+    </p:extLst>
+  </p:cSld>
+  <p:clrMapOvr>
+    <a:masterClrMapping/>
+  </p:clrMapOvr>
+  <p:transition>
+    <p:fade/>
+  </p:transition>
+  <p:timing>
+    <p:tnLst>
+      <p:par>
+        <p:cTn id="1" dur="indefinite" restart="never" nodeType="tmRoot">
+          <p:childTnLst>
+            <p:seq concurrent="1" nextAc="seek">
+              <p:cTn id="2" dur="indefinite" nodeType="mainSeq">
+                <p:childTnLst>
+                  <p:par>
+                    <p:cTn id="3" fill="hold">
+                      <p:stCondLst>
+                        <p:cond delay="indefinite"/>
+                      </p:stCondLst>
+                      <p:childTnLst>
+                        <p:par>
+                          <p:cTn id="4" fill="hold">
+                            <p:stCondLst>
+                              <p:cond delay="0"/>
+                            </p:stCondLst>
+                            <p:childTnLst>
+                              <p:par>
+                                <p:cTn id="5" presetID="10" presetClass="entr" presetSubtype="0" fill="hold" grpId="0" nodeType="clickEffect">
+                                  <p:stCondLst>
+                                    <p:cond delay="0"/>
+                                  </p:stCondLst>
+                                  <p:childTnLst>
+                                    <p:set>
+                                      <p:cBhvr>
+                                        <p:cTn id="6" dur="1" fill="hold">
+                                          <p:stCondLst>
+                                            <p:cond delay="0"/>
+                                          </p:stCondLst>
+                                        </p:cTn>
+                                        <p:tgtEl>
+                                          <p:spTgt spid="4">
+                                            <p:txEl>
+                                              <p:pRg st="0" end="0"/>
+                                            </p:txEl>
+                                          </p:spTgt>
+                                        </p:tgtEl>
+                                        <p:attrNameLst>
+                                          <p:attrName>style.visibility</p:attrName>
+                                        </p:attrNameLst>
+                                      </p:cBhvr>
+                                      <p:to>
+                                        <p:strVal val="visible"/>
+                                      </p:to>
+                                    </p:set>
+                                    <p:animEffect transition="in" filter="fade">
+                                      <p:cBhvr>
+                                        <p:cTn id="7" dur="500"/>
+                                        <p:tgtEl>
+                                          <p:spTgt spid="4">
+                                            <p:txEl>
+                                              <p:pRg st="0" end="0"/>
+                                            </p:txEl>
+                                          </p:spTgt>
+                                        </p:tgtEl>
+                                      </p:cBhvr>
+                                    </p:animEffect>
+                                  </p:childTnLst>
+                                </p:cTn>
+                              </p:par>
+                            </p:childTnLst>
+                          </p:cTn>
+                        </p:par>
+                      </p:childTnLst>
+                    </p:cTn>
+                  </p:par>
+                  <p:par>
+                    <p:cTn id="8" fill="hold">
+                      <p:stCondLst>
+                        <p:cond delay="indefinite"/>
+                      </p:stCondLst>
+                      <p:childTnLst>
+                        <p:par>
+                          <p:cTn id="9" fill="hold">
+                            <p:stCondLst>
+                              <p:cond delay="0"/>
+                            </p:stCondLst>
+                            <p:childTnLst>
+                              <p:par>
+                                <p:cTn id="10" presetID="10" presetClass="entr" presetSubtype="0" fill="hold" grpId="0" nodeType="clickEffect">
+                                  <p:stCondLst>
+                                    <p:cond delay="0"/>
+                                  </p:stCondLst>
+                                  <p:childTnLst>
+                                    <p:set>
+                                      <p:cBhvr>
+                                        <p:cTn id="11" dur="1" fill="hold">
+                                          <p:stCondLst>
+                                            <p:cond delay="0"/>
+                                          </p:stCondLst>
+                                        </p:cTn>
+                                        <p:tgtEl>
+                                          <p:spTgt spid="4">
+                                            <p:txEl>
+                                              <p:pRg st="1" end="1"/>
+                                            </p:txEl>
+                                          </p:spTgt>
+                                        </p:tgtEl>
+                                        <p:attrNameLst>
+                                          <p:attrName>style.visibility</p:attrName>
+                                        </p:attrNameLst>
+                                      </p:cBhvr>
+                                      <p:to>
+                                        <p:strVal val="visible"/>
+                                      </p:to>
+                                    </p:set>
+                                    <p:animEffect transition="in" filter="fade">
+                                      <p:cBhvr>
+                                        <p:cTn id="12" dur="500"/>
+                                        <p:tgtEl>
+                                          <p:spTgt spid="4">
+                                            <p:txEl>
+                                              <p:pRg st="1" end="1"/>
+                                            </p:txEl>
+                                          </p:spTgt>
+                                        </p:tgtEl>
+                                      </p:cBhvr>
+                                    </p:animEffect>
+                                  </p:childTnLst>
+                                </p:cTn>
+                              </p:par>
+                            </p:childTnLst>
+                          </p:cTn>
+                        </p:par>
+                      </p:childTnLst>
+                    </p:cTn>
+                  </p:par>
+                  <p:par>
+                    <p:cTn id="13" fill="hold">
+                      <p:stCondLst>
+                        <p:cond delay="indefinite"/>
+                      </p:stCondLst>
+                      <p:childTnLst>
+                        <p:par>
+                          <p:cTn id="14" fill="hold">
+                            <p:stCondLst>
+                              <p:cond delay="0"/>
+                            </p:stCondLst>
+                            <p:childTnLst>
+                              <p:par>
+                                <p:cTn id="15" presetID="10" presetClass="entr" presetSubtype="0" fill="hold" grpId="0" nodeType="clickEffect">
+                                  <p:stCondLst>
+                                    <p:cond delay="0"/>
+                                  </p:stCondLst>
+                                  <p:childTnLst>
+                                    <p:set>
+                                      <p:cBhvr>
+                                        <p:cTn id="16" dur="1" fill="hold">
+                                          <p:stCondLst>
+                                            <p:cond delay="0"/>
+                                          </p:stCondLst>
+                                        </p:cTn>
+                                        <p:tgtEl>
+                                          <p:spTgt spid="4">
+                                            <p:txEl>
+                                              <p:pRg st="2" end="2"/>
+                                            </p:txEl>
+                                          </p:spTgt>
+                                        </p:tgtEl>
+                                        <p:attrNameLst>
+                                          <p:attrName>style.visibility</p:attrName>
+                                        </p:attrNameLst>
+                                      </p:cBhvr>
+                                      <p:to>
+                                        <p:strVal val="visible"/>
+                                      </p:to>
+                                    </p:set>
+                                    <p:animEffect transition="in" filter="fade">
+                                      <p:cBhvr>
+                                        <p:cTn id="17" dur="500"/>
+                                        <p:tgtEl>
+                                          <p:spTgt spid="4">
+                                            <p:txEl>
+                                              <p:pRg st="2" end="2"/>
+                                            </p:txEl>
+                                          </p:spTgt>
+                                        </p:tgtEl>
+                                      </p:cBhvr>
+                                    </p:animEffect>
+                                  </p:childTnLst>
+                                </p:cTn>
+                              </p:par>
+                            </p:childTnLst>
+                          </p:cTn>
+                        </p:par>
+                      </p:childTnLst>
+                    </p:cTn>
+                  </p:par>
+                  <p:par>
+                    <p:cTn id="18" fill="hold">
+                      <p:stCondLst>
+                        <p:cond delay="indefinite"/>
+                      </p:stCondLst>
+                      <p:childTnLst>
+                        <p:par>
+                          <p:cTn id="19" fill="hold">
+                            <p:stCondLst>
+                              <p:cond delay="0"/>
+                            </p:stCondLst>
+                            <p:childTnLst>
+                              <p:par>
+                                <p:cTn id="20" presetID="10" presetClass="entr" presetSubtype="0" fill="hold" grpId="0" nodeType="clickEffect">
+                                  <p:stCondLst>
+                                    <p:cond delay="0"/>
+                                  </p:stCondLst>
+                                  <p:childTnLst>
+                                    <p:set>
+                                      <p:cBhvr>
+                                        <p:cTn id="21" dur="1" fill="hold">
+                                          <p:stCondLst>
+                                            <p:cond delay="0"/>
+                                          </p:stCondLst>
+                                        </p:cTn>
+                                        <p:tgtEl>
+                                          <p:spTgt spid="4">
+                                            <p:txEl>
+                                              <p:pRg st="3" end="3"/>
+                                            </p:txEl>
+                                          </p:spTgt>
+                                        </p:tgtEl>
+                                        <p:attrNameLst>
+                                          <p:attrName>style.visibility</p:attrName>
+                                        </p:attrNameLst>
+                                      </p:cBhvr>
+                                      <p:to>
+                                        <p:strVal val="visible"/>
+                                      </p:to>
+                                    </p:set>
+                                    <p:animEffect transition="in" filter="fade">
+                                      <p:cBhvr>
+                                        <p:cTn id="22" dur="500"/>
+                                        <p:tgtEl>
+                                          <p:spTgt spid="4">
+                                            <p:txEl>
+                                              <p:pRg st="3" end="3"/>
+                                            </p:txEl>
+                                          </p:spTgt>
+                                        </p:tgtEl>
+                                      </p:cBhvr>
+                                    </p:animEffect>
+                                  </p:childTnLst>
+                                </p:cTn>
+                              </p:par>
+                            </p:childTnLst>
+                          </p:cTn>
+                        </p:par>
+                      </p:childTnLst>
+                    </p:cTn>
+                  </p:par>
+                </p:childTnLst>
+              </p:cTn>
+              <p:prevCondLst>
+                <p:cond evt="onPrev" delay="0">
+                  <p:tgtEl>
+                    <p:sldTgt/>
+                  </p:tgtEl>
+                </p:cond>
+              </p:prevCondLst>
+              <p:nextCondLst>
+                <p:cond evt="onNext" delay="0">
+                  <p:tgtEl>
+                    <p:sldTgt/>
+                  </p:tgtEl>
+                </p:cond>
+              </p:nextCondLst>
+            </p:seq>
+          </p:childTnLst>
+        </p:cTn>
+      </p:par>
+    </p:tnLst>
+    <p:bldLst>
+      <p:bldP spid="4" grpId="0" build="p"/>
+    </p:bldLst>
+  </p:timing>
+</p:sld>
+</file>
+
+<file path=ppt/slides/slide5.xml><?xml version="1.0" encoding="utf-8"?>
+<p:sld xmlns:a="http://schemas.openxmlformats.org/drawingml/2006/main" xmlns:r="http://schemas.openxmlformats.org/officeDocument/2006/relationships" xmlns:p="http://schemas.openxmlformats.org/presentationml/2006/main">
+  <p:cSld>
+    <p:spTree>
+      <p:nvGrpSpPr>
+        <p:cNvPr id="1" name=""/>
+        <p:cNvGrpSpPr/>
+        <p:nvPr/>
+      </p:nvGrpSpPr>
+      <p:grpSpPr>
+        <a:xfrm>
+          <a:off x="0" y="0"/>
+          <a:ext cx="0" cy="0"/>
+          <a:chOff x="0" y="0"/>
+          <a:chExt cx="0" cy="0"/>
+        </a:xfrm>
+      </p:grpSpPr>
+      <p:sp>
+        <p:nvSpPr>
+          <p:cNvPr id="4" name="Text Placeholder 3"/>
+          <p:cNvSpPr>
+            <a:spLocks noGrp="1"/>
+          </p:cNvSpPr>
+          <p:nvPr>
+            <p:ph type="body" sz="quarter" idx="10"/>
+          </p:nvPr>
+        </p:nvSpPr>
+        <p:spPr>
+          <a:xfrm>
+            <a:off x="269239" y="1189177"/>
+            <a:ext cx="11653523" cy="4124206"/>
+          </a:xfrm>
+        </p:spPr>
+        <p:txBody>
+          <a:bodyPr/>
+          <a:lstStyle/>
+          <a:p>
+            <a:pPr>
+              <a:lnSpc>
+                <a:spcPct val="100000"/>
+              </a:lnSpc>
+            </a:pPr>
+            <a:r>
+              <a:rPr lang="pt-BR" sz="3200" dirty="0"/>
+              <a:t>17:00h - 17:05h: Bienvenida</a:t>
+            </a:r>
+            <a:r>
+              <a:rPr lang="pt-BR" sz="3200" dirty="0" smtClean="0"/>
+              <a:t>!</a:t>
+            </a:r>
+            <a:endParaRPr lang="pt-BR" sz="3200" dirty="0"/>
+          </a:p>
+          <a:p>
+            <a:pPr>
+              <a:lnSpc>
+                <a:spcPct val="100000"/>
+              </a:lnSpc>
+            </a:pPr>
+            <a:r>
+              <a:rPr lang="pt-BR" sz="3200" dirty="0" smtClean="0"/>
+              <a:t>17:05h </a:t>
+            </a:r>
+            <a:r>
+              <a:rPr lang="pt-BR" sz="3200" dirty="0"/>
+              <a:t>- 17:50h: Novedades en Xamarin </a:t>
+            </a:r>
+            <a:r>
+              <a:rPr lang="pt-BR" sz="3200" dirty="0" smtClean="0"/>
+              <a:t>4 por Javier Suárez</a:t>
+            </a:r>
+            <a:endParaRPr lang="pt-BR" sz="3200" dirty="0"/>
+          </a:p>
+          <a:p>
+            <a:pPr>
+              <a:lnSpc>
+                <a:spcPct val="100000"/>
+              </a:lnSpc>
+            </a:pPr>
+            <a:r>
+              <a:rPr lang="pt-BR" sz="3200" dirty="0" smtClean="0"/>
+              <a:t>17:55h </a:t>
+            </a:r>
+            <a:r>
+              <a:rPr lang="pt-BR" sz="3200" dirty="0"/>
+              <a:t>- 18:40h: Xamarin Forms </a:t>
+            </a:r>
+            <a:r>
+              <a:rPr lang="pt-BR" sz="3200" dirty="0" smtClean="0"/>
+              <a:t>2.0 por Josué Yeray</a:t>
+            </a:r>
+            <a:endParaRPr lang="pt-BR" sz="3200" dirty="0"/>
+          </a:p>
+          <a:p>
+            <a:pPr>
+              <a:lnSpc>
+                <a:spcPct val="100000"/>
+              </a:lnSpc>
+            </a:pPr>
+            <a:r>
+              <a:rPr lang="pt-BR" sz="3200" dirty="0" smtClean="0"/>
+              <a:t>18:45h </a:t>
+            </a:r>
+            <a:r>
+              <a:rPr lang="pt-BR" sz="3200" dirty="0"/>
+              <a:t>- 19:20h:  Xamarin Test Recorder y Xamarin Test </a:t>
+            </a:r>
+            <a:r>
+              <a:rPr lang="pt-BR" sz="3200" dirty="0" smtClean="0"/>
+              <a:t>Cloud por Marcos Cobeña</a:t>
+            </a:r>
+            <a:endParaRPr lang="pt-BR" sz="3200" dirty="0"/>
+          </a:p>
+          <a:p>
+            <a:pPr>
+              <a:lnSpc>
+                <a:spcPct val="100000"/>
+              </a:lnSpc>
+            </a:pPr>
+            <a:r>
+              <a:rPr lang="pt-BR" sz="3200" dirty="0" smtClean="0"/>
+              <a:t>19:25h </a:t>
+            </a:r>
+            <a:r>
+              <a:rPr lang="pt-BR" sz="3200" dirty="0"/>
+              <a:t>- 19:35h: El Gorilla Preguntón (Sorteo de regalos</a:t>
+            </a:r>
+            <a:r>
+              <a:rPr lang="pt-BR" sz="3200" dirty="0" smtClean="0"/>
+              <a:t>)</a:t>
+            </a:r>
+            <a:endParaRPr lang="pt-BR" sz="3200" dirty="0"/>
+          </a:p>
+          <a:p>
+            <a:pPr>
+              <a:lnSpc>
+                <a:spcPct val="100000"/>
+              </a:lnSpc>
+            </a:pPr>
+            <a:r>
+              <a:rPr lang="pt-BR" sz="3200" dirty="0" smtClean="0"/>
+              <a:t>19:35h </a:t>
+            </a:r>
+            <a:r>
+              <a:rPr lang="pt-BR" sz="3200" dirty="0"/>
+              <a:t>- 20:00h Networking </a:t>
+            </a:r>
+            <a:endParaRPr lang="en-US" sz="3200" dirty="0"/>
+          </a:p>
+        </p:txBody>
+      </p:sp>
+      <p:sp>
+        <p:nvSpPr>
+          <p:cNvPr id="2" name="Title 1"/>
+          <p:cNvSpPr>
+            <a:spLocks noGrp="1"/>
+          </p:cNvSpPr>
+          <p:nvPr>
+            <p:ph type="title"/>
+          </p:nvPr>
+        </p:nvSpPr>
+        <p:spPr/>
+        <p:txBody>
+          <a:bodyPr/>
+          <a:lstStyle/>
+          <a:p>
+            <a:r>
+              <a:rPr lang="en-US" dirty="0" smtClean="0">
+                <a:solidFill>
+                  <a:srgbClr val="06AED0"/>
+                </a:solidFill>
+              </a:rPr>
+              <a:t>Pero </a:t>
+            </a:r>
+            <a:r>
+              <a:rPr lang="en-US" dirty="0" err="1" smtClean="0">
+                <a:solidFill>
+                  <a:srgbClr val="06AED0"/>
+                </a:solidFill>
+              </a:rPr>
+              <a:t>centrémonos</a:t>
+            </a:r>
+            <a:r>
+              <a:rPr lang="en-US" dirty="0" smtClean="0">
+                <a:solidFill>
+                  <a:srgbClr val="06AED0"/>
+                </a:solidFill>
+              </a:rPr>
+              <a:t> </a:t>
+            </a:r>
+            <a:r>
+              <a:rPr lang="en-US" dirty="0" err="1" smtClean="0">
+                <a:solidFill>
+                  <a:srgbClr val="06AED0"/>
+                </a:solidFill>
+              </a:rPr>
+              <a:t>en</a:t>
+            </a:r>
+            <a:r>
+              <a:rPr lang="en-US" dirty="0" smtClean="0">
+                <a:solidFill>
+                  <a:srgbClr val="06AED0"/>
+                </a:solidFill>
+              </a:rPr>
+              <a:t> hoy, Xamarin 4 Party!</a:t>
             </a:r>
             <a:endParaRPr lang="en-US" dirty="0">
               <a:solidFill>
@@ -5770,7 +6643,349 @@
 </p:sld>
 </file>
 
-<file path=ppt/slides/slide5.xml><?xml version="1.0" encoding="utf-8"?>
+<file path=ppt/slides/slide6.xml><?xml version="1.0" encoding="utf-8"?>
+<p:sld xmlns:a="http://schemas.openxmlformats.org/drawingml/2006/main" xmlns:r="http://schemas.openxmlformats.org/officeDocument/2006/relationships" xmlns:p="http://schemas.openxmlformats.org/presentationml/2006/main">
+  <p:cSld>
+    <p:spTree>
+      <p:nvGrpSpPr>
+        <p:cNvPr id="1" name=""/>
+        <p:cNvGrpSpPr/>
+        <p:nvPr/>
+      </p:nvGrpSpPr>
+      <p:grpSpPr>
+        <a:xfrm>
+          <a:off x="0" y="0"/>
+          <a:ext cx="0" cy="0"/>
+          <a:chOff x="0" y="0"/>
+          <a:chExt cx="0" cy="0"/>
+        </a:xfrm>
+      </p:grpSpPr>
+      <p:sp>
+        <p:nvSpPr>
+          <p:cNvPr id="4" name="Text Placeholder 3"/>
+          <p:cNvSpPr>
+            <a:spLocks noGrp="1"/>
+          </p:cNvSpPr>
+          <p:nvPr>
+            <p:ph type="body" sz="quarter" idx="10"/>
+          </p:nvPr>
+        </p:nvSpPr>
+        <p:spPr>
+          <a:xfrm>
+            <a:off x="269239" y="1189177"/>
+            <a:ext cx="11653523" cy="2449901"/>
+          </a:xfrm>
+        </p:spPr>
+        <p:txBody>
+          <a:bodyPr/>
+          <a:lstStyle/>
+          <a:p>
+            <a:pPr>
+              <a:lnSpc>
+                <a:spcPct val="100000"/>
+              </a:lnSpc>
+            </a:pPr>
+            <a:r>
+              <a:rPr lang="pt-BR" sz="3200" dirty="0" smtClean="0"/>
+              <a:t>Javier Suárez  @jsuarezruiz</a:t>
+            </a:r>
+          </a:p>
+          <a:p>
+            <a:pPr>
+              <a:lnSpc>
+                <a:spcPct val="100000"/>
+              </a:lnSpc>
+            </a:pPr>
+            <a:r>
+              <a:rPr lang="pt-BR" sz="3200" dirty="0" smtClean="0"/>
+              <a:t>Josué Yeray @josueyeray</a:t>
+            </a:r>
+          </a:p>
+          <a:p>
+            <a:pPr>
+              <a:lnSpc>
+                <a:spcPct val="100000"/>
+              </a:lnSpc>
+            </a:pPr>
+            <a:r>
+              <a:rPr lang="pt-BR" sz="3200" dirty="0" smtClean="0"/>
+              <a:t>Marcos Cobeña @cobenamarcos</a:t>
+            </a:r>
+          </a:p>
+          <a:p>
+            <a:pPr>
+              <a:lnSpc>
+                <a:spcPct val="100000"/>
+              </a:lnSpc>
+            </a:pPr>
+            <a:endParaRPr lang="en-US" sz="3200" dirty="0"/>
+          </a:p>
+        </p:txBody>
+      </p:sp>
+      <p:sp>
+        <p:nvSpPr>
+          <p:cNvPr id="2" name="Title 1"/>
+          <p:cNvSpPr>
+            <a:spLocks noGrp="1"/>
+          </p:cNvSpPr>
+          <p:nvPr>
+            <p:ph type="title"/>
+          </p:nvPr>
+        </p:nvSpPr>
+        <p:spPr/>
+        <p:txBody>
+          <a:bodyPr/>
+          <a:lstStyle/>
+          <a:p>
+            <a:r>
+              <a:rPr lang="en-US" dirty="0" err="1" smtClean="0">
+                <a:solidFill>
+                  <a:srgbClr val="06AED0"/>
+                </a:solidFill>
+              </a:rPr>
+              <a:t>Ponentes</a:t>
+            </a:r>
+            <a:endParaRPr lang="en-US" dirty="0">
+              <a:solidFill>
+                <a:srgbClr val="06AED0"/>
+              </a:solidFill>
+            </a:endParaRPr>
+          </a:p>
+        </p:txBody>
+      </p:sp>
+    </p:spTree>
+    <p:extLst>
+      <p:ext uri="{BB962C8B-B14F-4D97-AF65-F5344CB8AC3E}">
+        <p14:creationId xmlns:p14="http://schemas.microsoft.com/office/powerpoint/2010/main" val="278480725"/>
+      </p:ext>
+    </p:extLst>
+  </p:cSld>
+  <p:clrMapOvr>
+    <a:masterClrMapping/>
+  </p:clrMapOvr>
+  <p:transition>
+    <p:fade/>
+  </p:transition>
+  <p:timing>
+    <p:tnLst>
+      <p:par>
+        <p:cTn id="1" dur="indefinite" restart="never" nodeType="tmRoot">
+          <p:childTnLst>
+            <p:seq concurrent="1" nextAc="seek">
+              <p:cTn id="2" dur="indefinite" nodeType="mainSeq">
+                <p:childTnLst>
+                  <p:par>
+                    <p:cTn id="3" fill="hold">
+                      <p:stCondLst>
+                        <p:cond delay="indefinite"/>
+                      </p:stCondLst>
+                      <p:childTnLst>
+                        <p:par>
+                          <p:cTn id="4" fill="hold">
+                            <p:stCondLst>
+                              <p:cond delay="0"/>
+                            </p:stCondLst>
+                            <p:childTnLst>
+                              <p:par>
+                                <p:cTn id="5" presetID="10" presetClass="entr" presetSubtype="0" fill="hold" grpId="0" nodeType="clickEffect">
+                                  <p:stCondLst>
+                                    <p:cond delay="0"/>
+                                  </p:stCondLst>
+                                  <p:childTnLst>
+                                    <p:set>
+                                      <p:cBhvr>
+                                        <p:cTn id="6" dur="1" fill="hold">
+                                          <p:stCondLst>
+                                            <p:cond delay="0"/>
+                                          </p:stCondLst>
+                                        </p:cTn>
+                                        <p:tgtEl>
+                                          <p:spTgt spid="4">
+                                            <p:txEl>
+                                              <p:pRg st="0" end="0"/>
+                                            </p:txEl>
+                                          </p:spTgt>
+                                        </p:tgtEl>
+                                        <p:attrNameLst>
+                                          <p:attrName>style.visibility</p:attrName>
+                                        </p:attrNameLst>
+                                      </p:cBhvr>
+                                      <p:to>
+                                        <p:strVal val="visible"/>
+                                      </p:to>
+                                    </p:set>
+                                    <p:animEffect transition="in" filter="fade">
+                                      <p:cBhvr>
+                                        <p:cTn id="7" dur="500"/>
+                                        <p:tgtEl>
+                                          <p:spTgt spid="4">
+                                            <p:txEl>
+                                              <p:pRg st="0" end="0"/>
+                                            </p:txEl>
+                                          </p:spTgt>
+                                        </p:tgtEl>
+                                      </p:cBhvr>
+                                    </p:animEffect>
+                                  </p:childTnLst>
+                                </p:cTn>
+                              </p:par>
+                            </p:childTnLst>
+                          </p:cTn>
+                        </p:par>
+                      </p:childTnLst>
+                    </p:cTn>
+                  </p:par>
+                  <p:par>
+                    <p:cTn id="8" fill="hold">
+                      <p:stCondLst>
+                        <p:cond delay="indefinite"/>
+                      </p:stCondLst>
+                      <p:childTnLst>
+                        <p:par>
+                          <p:cTn id="9" fill="hold">
+                            <p:stCondLst>
+                              <p:cond delay="0"/>
+                            </p:stCondLst>
+                            <p:childTnLst>
+                              <p:par>
+                                <p:cTn id="10" presetID="10" presetClass="entr" presetSubtype="0" fill="hold" grpId="0" nodeType="clickEffect">
+                                  <p:stCondLst>
+                                    <p:cond delay="0"/>
+                                  </p:stCondLst>
+                                  <p:childTnLst>
+                                    <p:set>
+                                      <p:cBhvr>
+                                        <p:cTn id="11" dur="1" fill="hold">
+                                          <p:stCondLst>
+                                            <p:cond delay="0"/>
+                                          </p:stCondLst>
+                                        </p:cTn>
+                                        <p:tgtEl>
+                                          <p:spTgt spid="4">
+                                            <p:txEl>
+                                              <p:pRg st="1" end="1"/>
+                                            </p:txEl>
+                                          </p:spTgt>
+                                        </p:tgtEl>
+                                        <p:attrNameLst>
+                                          <p:attrName>style.visibility</p:attrName>
+                                        </p:attrNameLst>
+                                      </p:cBhvr>
+                                      <p:to>
+                                        <p:strVal val="visible"/>
+                                      </p:to>
+                                    </p:set>
+                                    <p:animEffect transition="in" filter="fade">
+                                      <p:cBhvr>
+                                        <p:cTn id="12" dur="500"/>
+                                        <p:tgtEl>
+                                          <p:spTgt spid="4">
+                                            <p:txEl>
+                                              <p:pRg st="1" end="1"/>
+                                            </p:txEl>
+                                          </p:spTgt>
+                                        </p:tgtEl>
+                                      </p:cBhvr>
+                                    </p:animEffect>
+                                  </p:childTnLst>
+                                </p:cTn>
+                              </p:par>
+                            </p:childTnLst>
+                          </p:cTn>
+                        </p:par>
+                      </p:childTnLst>
+                    </p:cTn>
+                  </p:par>
+                  <p:par>
+                    <p:cTn id="13" fill="hold">
+                      <p:stCondLst>
+                        <p:cond delay="indefinite"/>
+                      </p:stCondLst>
+                      <p:childTnLst>
+                        <p:par>
+                          <p:cTn id="14" fill="hold">
+                            <p:stCondLst>
+                              <p:cond delay="0"/>
+                            </p:stCondLst>
+                            <p:childTnLst>
+                              <p:par>
+                                <p:cTn id="15" presetID="10" presetClass="entr" presetSubtype="0" fill="hold" grpId="0" nodeType="clickEffect">
+                                  <p:stCondLst>
+                                    <p:cond delay="0"/>
+                                  </p:stCondLst>
+                                  <p:childTnLst>
+                                    <p:set>
+                                      <p:cBhvr>
+                                        <p:cTn id="16" dur="1" fill="hold">
+                                          <p:stCondLst>
+                                            <p:cond delay="0"/>
+                                          </p:stCondLst>
+                                        </p:cTn>
+                                        <p:tgtEl>
+                                          <p:spTgt spid="4">
+                                            <p:txEl>
+                                              <p:pRg st="2" end="2"/>
+                                            </p:txEl>
+                                          </p:spTgt>
+                                        </p:tgtEl>
+                                        <p:attrNameLst>
+                                          <p:attrName>style.visibility</p:attrName>
+                                        </p:attrNameLst>
+                                      </p:cBhvr>
+                                      <p:to>
+                                        <p:strVal val="visible"/>
+                                      </p:to>
+                                    </p:set>
+                                    <p:animEffect transition="in" filter="fade">
+                                      <p:cBhvr>
+                                        <p:cTn id="17" dur="500"/>
+                                        <p:tgtEl>
+                                          <p:spTgt spid="4">
+                                            <p:txEl>
+                                              <p:pRg st="2" end="2"/>
+                                            </p:txEl>
+                                          </p:spTgt>
+                                        </p:tgtEl>
+                                      </p:cBhvr>
+                                    </p:animEffect>
+                                  </p:childTnLst>
+                                </p:cTn>
+                              </p:par>
+                            </p:childTnLst>
+                          </p:cTn>
+                        </p:par>
+                      </p:childTnLst>
+                    </p:cTn>
+                  </p:par>
+                </p:childTnLst>
+              </p:cTn>
+              <p:prevCondLst>
+                <p:cond evt="onPrev" delay="0">
+                  <p:tgtEl>
+                    <p:sldTgt/>
+                  </p:tgtEl>
+                </p:cond>
+              </p:prevCondLst>
+              <p:nextCondLst>
+                <p:cond evt="onNext" delay="0">
+                  <p:tgtEl>
+                    <p:sldTgt/>
+                  </p:tgtEl>
+                </p:cond>
+              </p:nextCondLst>
+            </p:seq>
+          </p:childTnLst>
+        </p:cTn>
+      </p:par>
+    </p:tnLst>
+    <p:bldLst>
+      <p:bldP spid="4" grpId="0" build="p"/>
+    </p:bldLst>
+  </p:timing>
+</p:sld>
+</file>
+
+<file path=ppt/slides/slide7.xml><?xml version="1.0" encoding="utf-8"?>
 <p:sld xmlns:a="http://schemas.openxmlformats.org/drawingml/2006/main" xmlns:r="http://schemas.openxmlformats.org/officeDocument/2006/relationships" xmlns:p="http://schemas.openxmlformats.org/presentationml/2006/main">
   <p:cSld>
     <p:spTree>
@@ -5854,11 +7069,6 @@
               </a:rPr>
               <a:t>Regalos y sorpresas</a:t>
             </a:r>
-            <a:endParaRPr lang="es-ES" sz="4400" dirty="0" smtClean="0">
-              <a:solidFill>
-                <a:schemeClr val="bg1"/>
-              </a:solidFill>
-            </a:endParaRPr>
           </a:p>
         </p:txBody>
       </p:sp>
@@ -5967,7 +7177,7 @@
 </p:sld>
 </file>
 
-<file path=ppt/slides/slide6.xml><?xml version="1.0" encoding="utf-8"?>
+<file path=ppt/slides/slide8.xml><?xml version="1.0" encoding="utf-8"?>
 <p:sld xmlns:a="http://schemas.openxmlformats.org/drawingml/2006/main" xmlns:r="http://schemas.openxmlformats.org/officeDocument/2006/relationships" xmlns:p="http://schemas.openxmlformats.org/presentationml/2006/main">
   <p:cSld>
     <p:spTree>
@@ -6357,7 +7567,7 @@
 </p:sld>
 </file>
 
-<file path=ppt/slides/slide7.xml><?xml version="1.0" encoding="utf-8"?>
+<file path=ppt/slides/slide9.xml><?xml version="1.0" encoding="utf-8"?>
 <p:sld xmlns:a="http://schemas.openxmlformats.org/drawingml/2006/main" xmlns:r="http://schemas.openxmlformats.org/officeDocument/2006/relationships" xmlns:p="http://schemas.openxmlformats.org/presentationml/2006/main">
   <p:cSld>
     <p:spTree>
@@ -6649,423 +7859,6 @@
     <p:extLst>
       <p:ext uri="{BB962C8B-B14F-4D97-AF65-F5344CB8AC3E}">
         <p14:creationId xmlns:p14="http://schemas.microsoft.com/office/powerpoint/2010/main" val="3733365709"/>
-      </p:ext>
-    </p:extLst>
-  </p:cSld>
-  <p:clrMapOvr>
-    <a:masterClrMapping/>
-  </p:clrMapOvr>
-  <p:transition>
-    <p:fade/>
-  </p:transition>
-  <p:timing>
-    <p:tnLst>
-      <p:par>
-        <p:cTn id="1" dur="indefinite" restart="never" nodeType="tmRoot">
-          <p:childTnLst>
-            <p:seq concurrent="1" nextAc="seek">
-              <p:cTn id="2" dur="indefinite" nodeType="mainSeq">
-                <p:childTnLst>
-                  <p:par>
-                    <p:cTn id="3" fill="hold">
-                      <p:stCondLst>
-                        <p:cond delay="indefinite"/>
-                        <p:cond evt="onBegin" delay="0">
-                          <p:tn val="2"/>
-                        </p:cond>
-                      </p:stCondLst>
-                      <p:childTnLst>
-                        <p:par>
-                          <p:cTn id="4" fill="hold">
-                            <p:stCondLst>
-                              <p:cond delay="0"/>
-                            </p:stCondLst>
-                            <p:childTnLst>
-                              <p:par>
-                                <p:cTn id="5" presetID="10" presetClass="entr" presetSubtype="0" fill="hold" grpId="0" nodeType="afterEffect">
-                                  <p:stCondLst>
-                                    <p:cond delay="0"/>
-                                  </p:stCondLst>
-                                  <p:childTnLst>
-                                    <p:set>
-                                      <p:cBhvr>
-                                        <p:cTn id="6" dur="1" fill="hold">
-                                          <p:stCondLst>
-                                            <p:cond delay="0"/>
-                                          </p:stCondLst>
-                                        </p:cTn>
-                                        <p:tgtEl>
-                                          <p:spTgt spid="27"/>
-                                        </p:tgtEl>
-                                        <p:attrNameLst>
-                                          <p:attrName>style.visibility</p:attrName>
-                                        </p:attrNameLst>
-                                      </p:cBhvr>
-                                      <p:to>
-                                        <p:strVal val="visible"/>
-                                      </p:to>
-                                    </p:set>
-                                    <p:animEffect transition="in" filter="fade">
-                                      <p:cBhvr>
-                                        <p:cTn id="7" dur="500"/>
-                                        <p:tgtEl>
-                                          <p:spTgt spid="27"/>
-                                        </p:tgtEl>
-                                      </p:cBhvr>
-                                    </p:animEffect>
-                                  </p:childTnLst>
-                                </p:cTn>
-                              </p:par>
-                            </p:childTnLst>
-                          </p:cTn>
-                        </p:par>
-                      </p:childTnLst>
-                    </p:cTn>
-                  </p:par>
-                </p:childTnLst>
-              </p:cTn>
-              <p:prevCondLst>
-                <p:cond evt="onPrev" delay="0">
-                  <p:tgtEl>
-                    <p:sldTgt/>
-                  </p:tgtEl>
-                </p:cond>
-              </p:prevCondLst>
-              <p:nextCondLst>
-                <p:cond evt="onNext" delay="0">
-                  <p:tgtEl>
-                    <p:sldTgt/>
-                  </p:tgtEl>
-                </p:cond>
-              </p:nextCondLst>
-            </p:seq>
-          </p:childTnLst>
-        </p:cTn>
-      </p:par>
-    </p:tnLst>
-    <p:bldLst>
-      <p:bldP spid="27" grpId="0"/>
-    </p:bldLst>
-  </p:timing>
-</p:sld>
-</file>
-
-<file path=ppt/slides/slide8.xml><?xml version="1.0" encoding="utf-8"?>
-<p:sld xmlns:a="http://schemas.openxmlformats.org/drawingml/2006/main" xmlns:r="http://schemas.openxmlformats.org/officeDocument/2006/relationships" xmlns:p="http://schemas.openxmlformats.org/presentationml/2006/main">
-  <p:cSld>
-    <p:spTree>
-      <p:nvGrpSpPr>
-        <p:cNvPr id="1" name=""/>
-        <p:cNvGrpSpPr/>
-        <p:nvPr/>
-      </p:nvGrpSpPr>
-      <p:grpSpPr>
-        <a:xfrm>
-          <a:off x="0" y="0"/>
-          <a:ext cx="0" cy="0"/>
-          <a:chOff x="0" y="0"/>
-          <a:chExt cx="0" cy="0"/>
-        </a:xfrm>
-      </p:grpSpPr>
-      <p:sp>
-        <p:nvSpPr>
-          <p:cNvPr id="27" name="Text Placeholder 25"/>
-          <p:cNvSpPr txBox="1">
-            <a:spLocks/>
-          </p:cNvSpPr>
-          <p:nvPr/>
-        </p:nvSpPr>
-        <p:spPr bwMode="invGray">
-          <a:xfrm>
-            <a:off x="1799181" y="3014689"/>
-            <a:ext cx="8473532" cy="821723"/>
-          </a:xfrm>
-          <a:prstGeom prst="rect">
-            <a:avLst/>
-          </a:prstGeom>
-        </p:spPr>
-        <p:txBody>
-          <a:bodyPr vert="horz" wrap="square" lIns="179285" tIns="143428" rIns="179285" bIns="143428" rtlCol="0" anchor="t">
-            <a:noAutofit/>
-          </a:bodyPr>
-          <a:lstStyle>
-            <a:lvl1pPr marL="0" indent="0" algn="l" defTabSz="914166" rtl="0" eaLnBrk="1" latinLnBrk="0" hangingPunct="1">
-              <a:spcBef>
-                <a:spcPct val="20000"/>
-              </a:spcBef>
-              <a:buFont typeface="Arial" pitchFamily="34" charset="0"/>
-              <a:buNone/>
-              <a:defRPr sz="6700" kern="1200" spc="-153">
-                <a:gradFill>
-                  <a:gsLst>
-                    <a:gs pos="0">
-                      <a:schemeClr val="tx1"/>
-                    </a:gs>
-                    <a:gs pos="100000">
-                      <a:schemeClr val="tx1"/>
-                    </a:gs>
-                  </a:gsLst>
-                  <a:lin ang="5400000" scaled="0"/>
-                </a:gradFill>
-                <a:latin typeface="+mj-lt"/>
-                <a:ea typeface="+mn-ea"/>
-                <a:cs typeface="+mn-cs"/>
-              </a:defRPr>
-            </a:lvl1pPr>
-            <a:lvl2pPr marL="0" indent="0" algn="l" defTabSz="914166" rtl="0" eaLnBrk="1" latinLnBrk="0" hangingPunct="1">
-              <a:spcBef>
-                <a:spcPct val="20000"/>
-              </a:spcBef>
-              <a:buFont typeface="Arial" pitchFamily="34" charset="0"/>
-              <a:buNone/>
-              <a:defRPr sz="2800" kern="1200">
-                <a:gradFill>
-                  <a:gsLst>
-                    <a:gs pos="0">
-                      <a:schemeClr val="tx1"/>
-                    </a:gs>
-                    <a:gs pos="100000">
-                      <a:schemeClr val="tx1"/>
-                    </a:gs>
-                  </a:gsLst>
-                  <a:lin ang="5400000" scaled="0"/>
-                </a:gradFill>
-                <a:latin typeface="+mn-lt"/>
-                <a:ea typeface="+mn-ea"/>
-                <a:cs typeface="+mn-cs"/>
-              </a:defRPr>
-            </a:lvl2pPr>
-            <a:lvl3pPr marL="457082" indent="-228541" algn="l" defTabSz="914166" rtl="0" eaLnBrk="1" latinLnBrk="0" hangingPunct="1">
-              <a:spcBef>
-                <a:spcPct val="20000"/>
-              </a:spcBef>
-              <a:buFont typeface="Arial" pitchFamily="34" charset="0"/>
-              <a:buChar char="•"/>
-              <a:defRPr sz="2400" kern="1200">
-                <a:gradFill>
-                  <a:gsLst>
-                    <a:gs pos="0">
-                      <a:schemeClr val="tx1"/>
-                    </a:gs>
-                    <a:gs pos="100000">
-                      <a:schemeClr val="tx1"/>
-                    </a:gs>
-                  </a:gsLst>
-                  <a:lin ang="5400000" scaled="0"/>
-                </a:gradFill>
-                <a:latin typeface="+mn-lt"/>
-                <a:ea typeface="+mn-ea"/>
-                <a:cs typeface="+mn-cs"/>
-              </a:defRPr>
-            </a:lvl3pPr>
-            <a:lvl4pPr marL="739586" indent="-282503" algn="l" defTabSz="914166" rtl="0" eaLnBrk="1" latinLnBrk="0" hangingPunct="1">
-              <a:spcBef>
-                <a:spcPct val="20000"/>
-              </a:spcBef>
-              <a:buFont typeface="Arial" pitchFamily="34" charset="0"/>
-              <a:buChar char="–"/>
-              <a:defRPr sz="2000" kern="1200">
-                <a:gradFill>
-                  <a:gsLst>
-                    <a:gs pos="0">
-                      <a:schemeClr val="tx1"/>
-                    </a:gs>
-                    <a:gs pos="100000">
-                      <a:schemeClr val="tx1"/>
-                    </a:gs>
-                  </a:gsLst>
-                  <a:lin ang="5400000" scaled="0"/>
-                </a:gradFill>
-                <a:latin typeface="+mn-lt"/>
-                <a:ea typeface="+mn-ea"/>
-                <a:cs typeface="+mn-cs"/>
-              </a:defRPr>
-            </a:lvl4pPr>
-            <a:lvl5pPr marL="1033199" indent="-293612" algn="l" defTabSz="914166" rtl="0" eaLnBrk="1" latinLnBrk="0" hangingPunct="1">
-              <a:spcBef>
-                <a:spcPct val="20000"/>
-              </a:spcBef>
-              <a:buFont typeface="Arial" pitchFamily="34" charset="0"/>
-              <a:buChar char="»"/>
-              <a:defRPr sz="1800" kern="1200">
-                <a:gradFill>
-                  <a:gsLst>
-                    <a:gs pos="0">
-                      <a:schemeClr val="tx1"/>
-                    </a:gs>
-                    <a:gs pos="100000">
-                      <a:schemeClr val="tx1"/>
-                    </a:gs>
-                  </a:gsLst>
-                  <a:lin ang="5400000" scaled="0"/>
-                </a:gradFill>
-                <a:latin typeface="+mn-lt"/>
-                <a:ea typeface="+mn-ea"/>
-                <a:cs typeface="+mn-cs"/>
-              </a:defRPr>
-            </a:lvl5pPr>
-            <a:lvl6pPr marL="2513956" indent="-228541" algn="l" defTabSz="914166" rtl="0" eaLnBrk="1" latinLnBrk="0" hangingPunct="1">
-              <a:spcBef>
-                <a:spcPct val="20000"/>
-              </a:spcBef>
-              <a:buFont typeface="Arial" pitchFamily="34" charset="0"/>
-              <a:buChar char="•"/>
-              <a:defRPr sz="2000" kern="1200">
-                <a:solidFill>
-                  <a:schemeClr val="tx1"/>
-                </a:solidFill>
-                <a:latin typeface="+mn-lt"/>
-                <a:ea typeface="+mn-ea"/>
-                <a:cs typeface="+mn-cs"/>
-              </a:defRPr>
-            </a:lvl6pPr>
-            <a:lvl7pPr marL="2971038" indent="-228541" algn="l" defTabSz="914166" rtl="0" eaLnBrk="1" latinLnBrk="0" hangingPunct="1">
-              <a:spcBef>
-                <a:spcPct val="20000"/>
-              </a:spcBef>
-              <a:buFont typeface="Arial" pitchFamily="34" charset="0"/>
-              <a:buChar char="•"/>
-              <a:defRPr sz="2000" kern="1200">
-                <a:solidFill>
-                  <a:schemeClr val="tx1"/>
-                </a:solidFill>
-                <a:latin typeface="+mn-lt"/>
-                <a:ea typeface="+mn-ea"/>
-                <a:cs typeface="+mn-cs"/>
-              </a:defRPr>
-            </a:lvl7pPr>
-            <a:lvl8pPr marL="3428122" indent="-228541" algn="l" defTabSz="914166" rtl="0" eaLnBrk="1" latinLnBrk="0" hangingPunct="1">
-              <a:spcBef>
-                <a:spcPct val="20000"/>
-              </a:spcBef>
-              <a:buFont typeface="Arial" pitchFamily="34" charset="0"/>
-              <a:buChar char="•"/>
-              <a:defRPr sz="2000" kern="1200">
-                <a:solidFill>
-                  <a:schemeClr val="tx1"/>
-                </a:solidFill>
-                <a:latin typeface="+mn-lt"/>
-                <a:ea typeface="+mn-ea"/>
-                <a:cs typeface="+mn-cs"/>
-              </a:defRPr>
-            </a:lvl8pPr>
-            <a:lvl9pPr marL="3885204" indent="-228541" algn="l" defTabSz="914166" rtl="0" eaLnBrk="1" latinLnBrk="0" hangingPunct="1">
-              <a:spcBef>
-                <a:spcPct val="20000"/>
-              </a:spcBef>
-              <a:buFont typeface="Arial" pitchFamily="34" charset="0"/>
-              <a:buChar char="•"/>
-              <a:defRPr sz="2000" kern="1200">
-                <a:solidFill>
-                  <a:schemeClr val="tx1"/>
-                </a:solidFill>
-                <a:latin typeface="+mn-lt"/>
-                <a:ea typeface="+mn-ea"/>
-                <a:cs typeface="+mn-cs"/>
-              </a:defRPr>
-            </a:lvl9pPr>
-          </a:lstStyle>
-          <a:p>
-            <a:pPr defTabSz="914367">
-              <a:lnSpc>
-                <a:spcPct val="60000"/>
-              </a:lnSpc>
-              <a:buClr>
-                <a:srgbClr val="FFFFFF"/>
-              </a:buClr>
-              <a:buSzPct val="90000"/>
-            </a:pPr>
-            <a:r>
-              <a:rPr lang="en-US" sz="7646" spc="0" dirty="0" smtClean="0">
-                <a:solidFill>
-                  <a:schemeClr val="tx1"/>
-                </a:solidFill>
-              </a:rPr>
-              <a:t>Gracias</a:t>
-            </a:r>
-            <a:r>
-              <a:rPr lang="en-US" sz="7646" spc="0" dirty="0" smtClean="0">
-                <a:solidFill>
-                  <a:schemeClr val="tx1"/>
-                </a:solidFill>
-              </a:rPr>
-              <a:t>! </a:t>
-            </a:r>
-            <a:r>
-              <a:rPr lang="en-US" sz="7646" spc="0" dirty="0" err="1" smtClean="0">
-                <a:solidFill>
-                  <a:schemeClr val="tx1"/>
-                </a:solidFill>
-              </a:rPr>
-              <a:t>Preguntas</a:t>
-            </a:r>
-            <a:r>
-              <a:rPr lang="en-US" sz="7646" spc="0" dirty="0" smtClean="0">
-                <a:solidFill>
-                  <a:schemeClr val="tx1"/>
-                </a:solidFill>
-              </a:rPr>
-              <a:t>?</a:t>
-            </a:r>
-            <a:endParaRPr lang="en-US" sz="7646" spc="0" dirty="0">
-              <a:solidFill>
-                <a:schemeClr val="tx1"/>
-              </a:solidFill>
-              <a:latin typeface="+mn-lt"/>
-            </a:endParaRPr>
-          </a:p>
-        </p:txBody>
-      </p:sp>
-      <p:sp>
-        <p:nvSpPr>
-          <p:cNvPr id="8" name="TextBox 7"/>
-          <p:cNvSpPr txBox="1"/>
-          <p:nvPr/>
-        </p:nvSpPr>
-        <p:spPr>
-          <a:xfrm>
-            <a:off x="4145965" y="-846623"/>
-            <a:ext cx="362072" cy="621556"/>
-          </a:xfrm>
-          <a:prstGeom prst="rect">
-            <a:avLst/>
-          </a:prstGeom>
-          <a:noFill/>
-        </p:spPr>
-        <p:txBody>
-          <a:bodyPr wrap="none" lIns="179285" tIns="143428" rIns="179285" bIns="143428" rtlCol="0">
-            <a:spAutoFit/>
-          </a:bodyPr>
-          <a:lstStyle/>
-          <a:p>
-            <a:pPr>
-              <a:lnSpc>
-                <a:spcPct val="90000"/>
-              </a:lnSpc>
-              <a:spcAft>
-                <a:spcPts val="588"/>
-              </a:spcAft>
-            </a:pPr>
-            <a:endParaRPr lang="en-US" sz="2353" dirty="0" err="1">
-              <a:gradFill>
-                <a:gsLst>
-                  <a:gs pos="2917">
-                    <a:schemeClr val="tx1"/>
-                  </a:gs>
-                  <a:gs pos="30000">
-                    <a:schemeClr val="tx1"/>
-                  </a:gs>
-                </a:gsLst>
-                <a:lin ang="5400000" scaled="0"/>
-              </a:gradFill>
-            </a:endParaRPr>
-          </a:p>
-        </p:txBody>
-      </p:sp>
-    </p:spTree>
-    <p:extLst>
-      <p:ext uri="{BB962C8B-B14F-4D97-AF65-F5344CB8AC3E}">
-        <p14:creationId xmlns:p14="http://schemas.microsoft.com/office/powerpoint/2010/main" val="209359415"/>
       </p:ext>
     </p:extLst>
   </p:cSld>

--- a/Xamarin 4 Party/01. Xamarin 4 Welcome.pptx
+++ b/Xamarin 4 Party/01. Xamarin 4 Welcome.pptx
@@ -5,7 +5,7 @@
     <p:sldMasterId id="2147483660" r:id="rId1"/>
   </p:sldMasterIdLst>
   <p:notesMasterIdLst>
-    <p:notesMasterId r:id="rId12"/>
+    <p:notesMasterId r:id="rId13"/>
   </p:notesMasterIdLst>
   <p:sldIdLst>
     <p:sldId id="380" r:id="rId2"/>
@@ -17,7 +17,8 @@
     <p:sldId id="408" r:id="rId8"/>
     <p:sldId id="409" r:id="rId9"/>
     <p:sldId id="410" r:id="rId10"/>
-    <p:sldId id="364" r:id="rId11"/>
+    <p:sldId id="413" r:id="rId11"/>
+    <p:sldId id="364" r:id="rId12"/>
   </p:sldIdLst>
   <p:sldSz cx="12192000" cy="6858000"/>
   <p:notesSz cx="6858000" cy="9144000"/>
@@ -217,7 +218,7 @@
           <a:p>
             <a:fld id="{A334C884-B1D7-A043-A4AA-521744755A4B}" type="datetimeFigureOut">
               <a:rPr lang="en-US" smtClean="0"/>
-              <a:t>1/24/2016</a:t>
+              <a:t>1/25/2016</a:t>
             </a:fld>
             <a:endParaRPr lang="en-US"/>
           </a:p>
@@ -808,7 +809,7 @@
                 </a:solidFill>
               </a:rPr>
               <a:pPr/>
-              <a:t>1/24/2016 5:43 PM</a:t>
+              <a:t>1/25/2016 9:16 PM</a:t>
             </a:fld>
             <a:endParaRPr lang="en-US" dirty="0">
               <a:solidFill>
@@ -982,7 +983,7 @@
           <a:p>
             <a:fld id="{E74353ED-ACB2-44BF-A903-985B0AF962B7}" type="datetime1">
               <a:rPr lang="en-US" smtClean="0"/>
-              <a:t>1/24/2016</a:t>
+              <a:t>1/25/2016</a:t>
             </a:fld>
             <a:endParaRPr lang="en-US" dirty="0"/>
           </a:p>
@@ -1144,7 +1145,7 @@
           <a:p>
             <a:fld id="{E74353ED-ACB2-44BF-A903-985B0AF962B7}" type="datetime1">
               <a:rPr lang="en-US" smtClean="0"/>
-              <a:t>1/24/2016</a:t>
+              <a:t>1/25/2016</a:t>
             </a:fld>
             <a:endParaRPr lang="en-US" dirty="0"/>
           </a:p>
@@ -1168,7 +1169,7 @@
             <a:fld id="{B4008EB6-D09E-4580-8CD6-DDB14511944F}" type="slidenum">
               <a:rPr lang="en-US" smtClean="0"/>
               <a:pPr/>
-              <a:t>10</a:t>
+              <a:t>11</a:t>
             </a:fld>
             <a:endParaRPr lang="en-US" dirty="0"/>
           </a:p>
@@ -3914,6 +3915,454 @@
 </file>
 
 <file path=ppt/slides/slide10.xml><?xml version="1.0" encoding="utf-8"?>
+<p:sld xmlns:a="http://schemas.openxmlformats.org/drawingml/2006/main" xmlns:r="http://schemas.openxmlformats.org/officeDocument/2006/relationships" xmlns:p="http://schemas.openxmlformats.org/presentationml/2006/main">
+  <p:cSld>
+    <p:spTree>
+      <p:nvGrpSpPr>
+        <p:cNvPr id="1" name=""/>
+        <p:cNvGrpSpPr/>
+        <p:nvPr/>
+      </p:nvGrpSpPr>
+      <p:grpSpPr>
+        <a:xfrm>
+          <a:off x="0" y="0"/>
+          <a:ext cx="0" cy="0"/>
+          <a:chOff x="0" y="0"/>
+          <a:chExt cx="0" cy="0"/>
+        </a:xfrm>
+      </p:grpSpPr>
+      <p:sp>
+        <p:nvSpPr>
+          <p:cNvPr id="2" name="Title 1"/>
+          <p:cNvSpPr>
+            <a:spLocks noGrp="1"/>
+          </p:cNvSpPr>
+          <p:nvPr>
+            <p:ph type="title"/>
+          </p:nvPr>
+        </p:nvSpPr>
+        <p:spPr/>
+        <p:txBody>
+          <a:bodyPr/>
+          <a:lstStyle/>
+          <a:p>
+            <a:r>
+              <a:rPr lang="en-US" dirty="0" err="1" smtClean="0">
+                <a:solidFill>
+                  <a:srgbClr val="06AED0"/>
+                </a:solidFill>
+              </a:rPr>
+              <a:t>Agradecimientos</a:t>
+            </a:r>
+            <a:endParaRPr lang="en-US" dirty="0">
+              <a:solidFill>
+                <a:srgbClr val="06AED0"/>
+              </a:solidFill>
+            </a:endParaRPr>
+          </a:p>
+        </p:txBody>
+      </p:sp>
+      <p:pic>
+        <p:nvPicPr>
+          <p:cNvPr id="5" name="Picture 4"/>
+          <p:cNvPicPr>
+            <a:picLocks noChangeAspect="1"/>
+          </p:cNvPicPr>
+          <p:nvPr/>
+        </p:nvPicPr>
+        <p:blipFill>
+          <a:blip r:embed="rId2"/>
+          <a:stretch>
+            <a:fillRect/>
+          </a:stretch>
+        </p:blipFill>
+        <p:spPr>
+          <a:xfrm>
+            <a:off x="192881" y="2823800"/>
+            <a:ext cx="3858453" cy="1618318"/>
+          </a:xfrm>
+          <a:prstGeom prst="rect">
+            <a:avLst/>
+          </a:prstGeom>
+        </p:spPr>
+      </p:pic>
+      <p:pic>
+        <p:nvPicPr>
+          <p:cNvPr id="6" name="Picture 5"/>
+          <p:cNvPicPr>
+            <a:picLocks noChangeAspect="1"/>
+          </p:cNvPicPr>
+          <p:nvPr/>
+        </p:nvPicPr>
+        <p:blipFill>
+          <a:blip r:embed="rId3"/>
+          <a:stretch>
+            <a:fillRect/>
+          </a:stretch>
+        </p:blipFill>
+        <p:spPr>
+          <a:xfrm>
+            <a:off x="7586662" y="3217996"/>
+            <a:ext cx="4066003" cy="844213"/>
+          </a:xfrm>
+          <a:prstGeom prst="rect">
+            <a:avLst/>
+          </a:prstGeom>
+        </p:spPr>
+      </p:pic>
+      <p:pic>
+        <p:nvPicPr>
+          <p:cNvPr id="7" name="Picture 6"/>
+          <p:cNvPicPr>
+            <a:picLocks noChangeAspect="1"/>
+          </p:cNvPicPr>
+          <p:nvPr/>
+        </p:nvPicPr>
+        <p:blipFill>
+          <a:blip r:embed="rId4"/>
+          <a:stretch>
+            <a:fillRect/>
+          </a:stretch>
+        </p:blipFill>
+        <p:spPr>
+          <a:xfrm>
+            <a:off x="3914774" y="2649037"/>
+            <a:ext cx="3671888" cy="1577243"/>
+          </a:xfrm>
+          <a:prstGeom prst="rect">
+            <a:avLst/>
+          </a:prstGeom>
+        </p:spPr>
+      </p:pic>
+    </p:spTree>
+    <p:extLst>
+      <p:ext uri="{BB962C8B-B14F-4D97-AF65-F5344CB8AC3E}">
+        <p14:creationId xmlns:p14="http://schemas.microsoft.com/office/powerpoint/2010/main" val="2928322831"/>
+      </p:ext>
+    </p:extLst>
+  </p:cSld>
+  <p:clrMapOvr>
+    <a:masterClrMapping/>
+  </p:clrMapOvr>
+  <p:transition>
+    <p:fade/>
+  </p:transition>
+  <p:timing>
+    <p:tnLst>
+      <p:par>
+        <p:cTn id="1" dur="indefinite" restart="never" nodeType="tmRoot">
+          <p:childTnLst>
+            <p:seq concurrent="1" nextAc="seek">
+              <p:cTn id="2" dur="indefinite" nodeType="mainSeq">
+                <p:childTnLst>
+                  <p:par>
+                    <p:cTn id="3" fill="hold">
+                      <p:stCondLst>
+                        <p:cond delay="indefinite"/>
+                        <p:cond evt="onBegin" delay="0">
+                          <p:tn val="2"/>
+                        </p:cond>
+                      </p:stCondLst>
+                      <p:childTnLst>
+                        <p:par>
+                          <p:cTn id="4" fill="hold">
+                            <p:stCondLst>
+                              <p:cond delay="0"/>
+                            </p:stCondLst>
+                            <p:childTnLst>
+                              <p:par>
+                                <p:cTn id="5" presetID="42" presetClass="entr" presetSubtype="0" fill="hold" nodeType="afterEffect">
+                                  <p:stCondLst>
+                                    <p:cond delay="0"/>
+                                  </p:stCondLst>
+                                  <p:childTnLst>
+                                    <p:set>
+                                      <p:cBhvr>
+                                        <p:cTn id="6" dur="1" fill="hold">
+                                          <p:stCondLst>
+                                            <p:cond delay="0"/>
+                                          </p:stCondLst>
+                                        </p:cTn>
+                                        <p:tgtEl>
+                                          <p:spTgt spid="5"/>
+                                        </p:tgtEl>
+                                        <p:attrNameLst>
+                                          <p:attrName>style.visibility</p:attrName>
+                                        </p:attrNameLst>
+                                      </p:cBhvr>
+                                      <p:to>
+                                        <p:strVal val="visible"/>
+                                      </p:to>
+                                    </p:set>
+                                    <p:animEffect transition="in" filter="fade">
+                                      <p:cBhvr>
+                                        <p:cTn id="7" dur="1000"/>
+                                        <p:tgtEl>
+                                          <p:spTgt spid="5"/>
+                                        </p:tgtEl>
+                                      </p:cBhvr>
+                                    </p:animEffect>
+                                    <p:anim calcmode="lin" valueType="num">
+                                      <p:cBhvr>
+                                        <p:cTn id="8" dur="1000" fill="hold"/>
+                                        <p:tgtEl>
+                                          <p:spTgt spid="5"/>
+                                        </p:tgtEl>
+                                        <p:attrNameLst>
+                                          <p:attrName>ppt_x</p:attrName>
+                                        </p:attrNameLst>
+                                      </p:cBhvr>
+                                      <p:tavLst>
+                                        <p:tav tm="0">
+                                          <p:val>
+                                            <p:strVal val="#ppt_x"/>
+                                          </p:val>
+                                        </p:tav>
+                                        <p:tav tm="100000">
+                                          <p:val>
+                                            <p:strVal val="#ppt_x"/>
+                                          </p:val>
+                                        </p:tav>
+                                      </p:tavLst>
+                                    </p:anim>
+                                    <p:anim calcmode="lin" valueType="num">
+                                      <p:cBhvr>
+                                        <p:cTn id="9" dur="1000" fill="hold"/>
+                                        <p:tgtEl>
+                                          <p:spTgt spid="5"/>
+                                        </p:tgtEl>
+                                        <p:attrNameLst>
+                                          <p:attrName>ppt_y</p:attrName>
+                                        </p:attrNameLst>
+                                      </p:cBhvr>
+                                      <p:tavLst>
+                                        <p:tav tm="0">
+                                          <p:val>
+                                            <p:strVal val="#ppt_y+.1"/>
+                                          </p:val>
+                                        </p:tav>
+                                        <p:tav tm="100000">
+                                          <p:val>
+                                            <p:strVal val="#ppt_y"/>
+                                          </p:val>
+                                        </p:tav>
+                                      </p:tavLst>
+                                    </p:anim>
+                                  </p:childTnLst>
+                                </p:cTn>
+                              </p:par>
+                            </p:childTnLst>
+                          </p:cTn>
+                        </p:par>
+                        <p:par>
+                          <p:cTn id="10" fill="hold">
+                            <p:stCondLst>
+                              <p:cond delay="1000"/>
+                            </p:stCondLst>
+                            <p:childTnLst>
+                              <p:par>
+                                <p:cTn id="11" presetID="42" presetClass="entr" presetSubtype="0" fill="hold" nodeType="afterEffect">
+                                  <p:stCondLst>
+                                    <p:cond delay="0"/>
+                                  </p:stCondLst>
+                                  <p:childTnLst>
+                                    <p:set>
+                                      <p:cBhvr>
+                                        <p:cTn id="12" dur="1" fill="hold">
+                                          <p:stCondLst>
+                                            <p:cond delay="0"/>
+                                          </p:stCondLst>
+                                        </p:cTn>
+                                        <p:tgtEl>
+                                          <p:spTgt spid="7"/>
+                                        </p:tgtEl>
+                                        <p:attrNameLst>
+                                          <p:attrName>style.visibility</p:attrName>
+                                        </p:attrNameLst>
+                                      </p:cBhvr>
+                                      <p:to>
+                                        <p:strVal val="visible"/>
+                                      </p:to>
+                                    </p:set>
+                                    <p:animEffect transition="in" filter="fade">
+                                      <p:cBhvr>
+                                        <p:cTn id="13" dur="1000"/>
+                                        <p:tgtEl>
+                                          <p:spTgt spid="7"/>
+                                        </p:tgtEl>
+                                      </p:cBhvr>
+                                    </p:animEffect>
+                                    <p:anim calcmode="lin" valueType="num">
+                                      <p:cBhvr>
+                                        <p:cTn id="14" dur="1000" fill="hold"/>
+                                        <p:tgtEl>
+                                          <p:spTgt spid="7"/>
+                                        </p:tgtEl>
+                                        <p:attrNameLst>
+                                          <p:attrName>ppt_x</p:attrName>
+                                        </p:attrNameLst>
+                                      </p:cBhvr>
+                                      <p:tavLst>
+                                        <p:tav tm="0">
+                                          <p:val>
+                                            <p:strVal val="#ppt_x"/>
+                                          </p:val>
+                                        </p:tav>
+                                        <p:tav tm="100000">
+                                          <p:val>
+                                            <p:strVal val="#ppt_x"/>
+                                          </p:val>
+                                        </p:tav>
+                                      </p:tavLst>
+                                    </p:anim>
+                                    <p:anim calcmode="lin" valueType="num">
+                                      <p:cBhvr>
+                                        <p:cTn id="15" dur="1000" fill="hold"/>
+                                        <p:tgtEl>
+                                          <p:spTgt spid="7"/>
+                                        </p:tgtEl>
+                                        <p:attrNameLst>
+                                          <p:attrName>ppt_y</p:attrName>
+                                        </p:attrNameLst>
+                                      </p:cBhvr>
+                                      <p:tavLst>
+                                        <p:tav tm="0">
+                                          <p:val>
+                                            <p:strVal val="#ppt_y+.1"/>
+                                          </p:val>
+                                        </p:tav>
+                                        <p:tav tm="100000">
+                                          <p:val>
+                                            <p:strVal val="#ppt_y"/>
+                                          </p:val>
+                                        </p:tav>
+                                      </p:tavLst>
+                                    </p:anim>
+                                  </p:childTnLst>
+                                </p:cTn>
+                              </p:par>
+                            </p:childTnLst>
+                          </p:cTn>
+                        </p:par>
+                        <p:par>
+                          <p:cTn id="16" fill="hold">
+                            <p:stCondLst>
+                              <p:cond delay="2000"/>
+                            </p:stCondLst>
+                            <p:childTnLst>
+                              <p:par>
+                                <p:cTn id="17" presetID="42" presetClass="entr" presetSubtype="0" fill="hold" nodeType="afterEffect">
+                                  <p:stCondLst>
+                                    <p:cond delay="0"/>
+                                  </p:stCondLst>
+                                  <p:childTnLst>
+                                    <p:set>
+                                      <p:cBhvr>
+                                        <p:cTn id="18" dur="1" fill="hold">
+                                          <p:stCondLst>
+                                            <p:cond delay="0"/>
+                                          </p:stCondLst>
+                                        </p:cTn>
+                                        <p:tgtEl>
+                                          <p:spTgt spid="6"/>
+                                        </p:tgtEl>
+                                        <p:attrNameLst>
+                                          <p:attrName>style.visibility</p:attrName>
+                                        </p:attrNameLst>
+                                      </p:cBhvr>
+                                      <p:to>
+                                        <p:strVal val="visible"/>
+                                      </p:to>
+                                    </p:set>
+                                    <p:animEffect transition="in" filter="fade">
+                                      <p:cBhvr>
+                                        <p:cTn id="19" dur="1000"/>
+                                        <p:tgtEl>
+                                          <p:spTgt spid="6"/>
+                                        </p:tgtEl>
+                                      </p:cBhvr>
+                                    </p:animEffect>
+                                    <p:anim calcmode="lin" valueType="num">
+                                      <p:cBhvr>
+                                        <p:cTn id="20" dur="1000" fill="hold"/>
+                                        <p:tgtEl>
+                                          <p:spTgt spid="6"/>
+                                        </p:tgtEl>
+                                        <p:attrNameLst>
+                                          <p:attrName>ppt_x</p:attrName>
+                                        </p:attrNameLst>
+                                      </p:cBhvr>
+                                      <p:tavLst>
+                                        <p:tav tm="0">
+                                          <p:val>
+                                            <p:strVal val="#ppt_x"/>
+                                          </p:val>
+                                        </p:tav>
+                                        <p:tav tm="100000">
+                                          <p:val>
+                                            <p:strVal val="#ppt_x"/>
+                                          </p:val>
+                                        </p:tav>
+                                      </p:tavLst>
+                                    </p:anim>
+                                    <p:anim calcmode="lin" valueType="num">
+                                      <p:cBhvr>
+                                        <p:cTn id="21" dur="1000" fill="hold"/>
+                                        <p:tgtEl>
+                                          <p:spTgt spid="6"/>
+                                        </p:tgtEl>
+                                        <p:attrNameLst>
+                                          <p:attrName>ppt_y</p:attrName>
+                                        </p:attrNameLst>
+                                      </p:cBhvr>
+                                      <p:tavLst>
+                                        <p:tav tm="0">
+                                          <p:val>
+                                            <p:strVal val="#ppt_y+.1"/>
+                                          </p:val>
+                                        </p:tav>
+                                        <p:tav tm="100000">
+                                          <p:val>
+                                            <p:strVal val="#ppt_y"/>
+                                          </p:val>
+                                        </p:tav>
+                                      </p:tavLst>
+                                    </p:anim>
+                                  </p:childTnLst>
+                                </p:cTn>
+                              </p:par>
+                            </p:childTnLst>
+                          </p:cTn>
+                        </p:par>
+                      </p:childTnLst>
+                    </p:cTn>
+                  </p:par>
+                </p:childTnLst>
+              </p:cTn>
+              <p:prevCondLst>
+                <p:cond evt="onPrev" delay="0">
+                  <p:tgtEl>
+                    <p:sldTgt/>
+                  </p:tgtEl>
+                </p:cond>
+              </p:prevCondLst>
+              <p:nextCondLst>
+                <p:cond evt="onNext" delay="0">
+                  <p:tgtEl>
+                    <p:sldTgt/>
+                  </p:tgtEl>
+                </p:cond>
+              </p:nextCondLst>
+            </p:seq>
+          </p:childTnLst>
+        </p:cTn>
+      </p:par>
+    </p:tnLst>
+  </p:timing>
+</p:sld>
+</file>
+
+<file path=ppt/slides/slide11.xml><?xml version="1.0" encoding="utf-8"?>
 <p:sld xmlns:a="http://schemas.openxmlformats.org/drawingml/2006/main" xmlns:r="http://schemas.openxmlformats.org/officeDocument/2006/relationships" xmlns:p="http://schemas.openxmlformats.org/presentationml/2006/main">
   <p:cSld>
     <p:spTree>

--- a/Xamarin 4 Party/01. Xamarin 4 Welcome.pptx
+++ b/Xamarin 4 Party/01. Xamarin 4 Welcome.pptx
@@ -218,7 +218,7 @@
           <a:p>
             <a:fld id="{A334C884-B1D7-A043-A4AA-521744755A4B}" type="datetimeFigureOut">
               <a:rPr lang="en-US" smtClean="0"/>
-              <a:t>1/25/2016</a:t>
+              <a:t>1/26/2016</a:t>
             </a:fld>
             <a:endParaRPr lang="en-US"/>
           </a:p>
@@ -809,7 +809,7 @@
                 </a:solidFill>
               </a:rPr>
               <a:pPr/>
-              <a:t>1/25/2016 9:16 PM</a:t>
+              <a:t>1/26/2016 4:01 PM</a:t>
             </a:fld>
             <a:endParaRPr lang="en-US" dirty="0">
               <a:solidFill>
@@ -983,7 +983,7 @@
           <a:p>
             <a:fld id="{E74353ED-ACB2-44BF-A903-985B0AF962B7}" type="datetime1">
               <a:rPr lang="en-US" smtClean="0"/>
-              <a:t>1/25/2016</a:t>
+              <a:t>1/26/2016</a:t>
             </a:fld>
             <a:endParaRPr lang="en-US" dirty="0"/>
           </a:p>
@@ -1145,7 +1145,7 @@
           <a:p>
             <a:fld id="{E74353ED-ACB2-44BF-A903-985B0AF962B7}" type="datetime1">
               <a:rPr lang="en-US" smtClean="0"/>
-              <a:t>1/25/2016</a:t>
+              <a:t>1/26/2016</a:t>
             </a:fld>
             <a:endParaRPr lang="en-US" dirty="0"/>
           </a:p>
@@ -3680,7 +3680,18 @@
                 <a:ea typeface="Segoe UI" charset="0"/>
                 <a:cs typeface="Segoe UI" charset="0"/>
               </a:rPr>
-              <a:t>SVQXDG</a:t>
+              <a:t>SVQXDG   @</a:t>
+            </a:r>
+            <a:r>
+              <a:rPr lang="en-US" sz="2667" b="1" dirty="0" err="1" smtClean="0">
+                <a:solidFill>
+                  <a:schemeClr val="bg1"/>
+                </a:solidFill>
+                <a:latin typeface="Segoe UI" charset="0"/>
+                <a:ea typeface="Segoe UI" charset="0"/>
+                <a:cs typeface="Segoe UI" charset="0"/>
+              </a:rPr>
+              <a:t>svqxdg</a:t>
             </a:r>
             <a:endParaRPr lang="en-US" sz="2667" dirty="0">
               <a:solidFill>
